--- a/Torovsky_prezentácia.pptx
+++ b/Torovsky_prezentácia.pptx
@@ -113,6 +113,11 @@
       </a:defRPr>
     </a:lvl9pPr>
   </p:defaultTextStyle>
+  <p:extLst>
+    <p:ext uri="{EFAFB233-063F-42B5-8137-9DF3F51BA10A}">
+      <p15:sldGuideLst xmlns:p15="http://schemas.microsoft.com/office/powerpoint/2012/main"/>
+    </p:ext>
+  </p:extLst>
 </p:presentation>
 </file>
 
@@ -5329,7 +5334,7 @@
             </a:pPr>
             <a:r>
               <a:rPr lang="sk-SK" dirty="0"/>
-              <a:t> Tento model obsahuje 2 vstupné vrstvy, 4 skryté vrstvy</a:t>
+              <a:t> Tento model obsahuje 10 vstupných vrstiev a 4 skryté vrstvy</a:t>
             </a:r>
           </a:p>
           <a:p>
@@ -5416,6 +5421,42 @@
           <a:xfrm>
             <a:off x="1097280" y="1884489"/>
             <a:ext cx="5886450" cy="1362075"/>
+          </a:xfrm>
+          <a:prstGeom prst="rect">
+            <a:avLst/>
+          </a:prstGeom>
+        </p:spPr>
+      </p:pic>
+      <p:pic>
+        <p:nvPicPr>
+          <p:cNvPr id="6" name="Obrázok 5">
+            <a:extLst>
+              <a:ext uri="{FF2B5EF4-FFF2-40B4-BE49-F238E27FC236}">
+                <a16:creationId xmlns:a16="http://schemas.microsoft.com/office/drawing/2014/main" id="{4B8C27F1-3F83-4357-B1EA-FAAC456E4B10}"/>
+              </a:ext>
+            </a:extLst>
+          </p:cNvPr>
+          <p:cNvPicPr>
+            <a:picLocks noChangeAspect="1"/>
+          </p:cNvPicPr>
+          <p:nvPr/>
+        </p:nvPicPr>
+        <p:blipFill>
+          <a:blip r:embed="rId3">
+            <a:extLst>
+              <a:ext uri="{28A0092B-C50C-407E-A947-70E740481C1C}">
+                <a14:useLocalDpi xmlns:a14="http://schemas.microsoft.com/office/drawing/2010/main" val="0"/>
+              </a:ext>
+            </a:extLst>
+          </a:blip>
+          <a:stretch>
+            <a:fillRect/>
+          </a:stretch>
+        </p:blipFill>
+        <p:spPr>
+          <a:xfrm>
+            <a:off x="7511143" y="286603"/>
+            <a:ext cx="4142791" cy="3688157"/>
           </a:xfrm>
           <a:prstGeom prst="rect">
             <a:avLst/>
